--- a/PaaS_DevOps_with_Alexa-DesignMockups.pptx
+++ b/PaaS_DevOps_with_Alexa-DesignMockups.pptx
@@ -6,9 +6,13 @@
   </p:sldMasterIdLst>
   <p:sldIdLst>
     <p:sldId id="256" r:id="rId2"/>
-    <p:sldId id="257" r:id="rId3"/>
-    <p:sldId id="258" r:id="rId4"/>
-    <p:sldId id="259" r:id="rId5"/>
+    <p:sldId id="260" r:id="rId3"/>
+    <p:sldId id="257" r:id="rId4"/>
+    <p:sldId id="258" r:id="rId5"/>
+    <p:sldId id="259" r:id="rId6"/>
+    <p:sldId id="261" r:id="rId7"/>
+    <p:sldId id="262" r:id="rId8"/>
+    <p:sldId id="263" r:id="rId9"/>
   </p:sldIdLst>
   <p:sldSz cx="12192000" cy="6858000"/>
   <p:notesSz cx="6858000" cy="9144000"/>
@@ -107,6 +111,11 @@
       </a:defRPr>
     </a:lvl9pPr>
   </p:defaultTextStyle>
+  <p:extLst>
+    <p:ext uri="{EFAFB233-063F-42B5-8137-9DF3F51BA10A}">
+      <p15:sldGuideLst xmlns:p15="http://schemas.microsoft.com/office/powerpoint/2012/main"/>
+    </p:ext>
+  </p:extLst>
 </p:presentation>
 </file>
 
@@ -257,7 +266,7 @@
           <a:p>
             <a:fld id="{5B45E6A8-1C6F-544D-B1B7-024BD282C46E}" type="datetimeFigureOut">
               <a:rPr lang="en-US" smtClean="0"/>
-              <a:t>3/13/18</a:t>
+              <a:t>5/9/18</a:t>
             </a:fld>
             <a:endParaRPr lang="en-US"/>
           </a:p>
@@ -455,7 +464,7 @@
           <a:p>
             <a:fld id="{5B45E6A8-1C6F-544D-B1B7-024BD282C46E}" type="datetimeFigureOut">
               <a:rPr lang="en-US" smtClean="0"/>
-              <a:t>3/13/18</a:t>
+              <a:t>5/9/18</a:t>
             </a:fld>
             <a:endParaRPr lang="en-US"/>
           </a:p>
@@ -663,7 +672,7 @@
           <a:p>
             <a:fld id="{5B45E6A8-1C6F-544D-B1B7-024BD282C46E}" type="datetimeFigureOut">
               <a:rPr lang="en-US" smtClean="0"/>
-              <a:t>3/13/18</a:t>
+              <a:t>5/9/18</a:t>
             </a:fld>
             <a:endParaRPr lang="en-US"/>
           </a:p>
@@ -861,7 +870,7 @@
           <a:p>
             <a:fld id="{5B45E6A8-1C6F-544D-B1B7-024BD282C46E}" type="datetimeFigureOut">
               <a:rPr lang="en-US" smtClean="0"/>
-              <a:t>3/13/18</a:t>
+              <a:t>5/9/18</a:t>
             </a:fld>
             <a:endParaRPr lang="en-US"/>
           </a:p>
@@ -1136,7 +1145,7 @@
           <a:p>
             <a:fld id="{5B45E6A8-1C6F-544D-B1B7-024BD282C46E}" type="datetimeFigureOut">
               <a:rPr lang="en-US" smtClean="0"/>
-              <a:t>3/13/18</a:t>
+              <a:t>5/9/18</a:t>
             </a:fld>
             <a:endParaRPr lang="en-US"/>
           </a:p>
@@ -1401,7 +1410,7 @@
           <a:p>
             <a:fld id="{5B45E6A8-1C6F-544D-B1B7-024BD282C46E}" type="datetimeFigureOut">
               <a:rPr lang="en-US" smtClean="0"/>
-              <a:t>3/13/18</a:t>
+              <a:t>5/9/18</a:t>
             </a:fld>
             <a:endParaRPr lang="en-US"/>
           </a:p>
@@ -1813,7 +1822,7 @@
           <a:p>
             <a:fld id="{5B45E6A8-1C6F-544D-B1B7-024BD282C46E}" type="datetimeFigureOut">
               <a:rPr lang="en-US" smtClean="0"/>
-              <a:t>3/13/18</a:t>
+              <a:t>5/9/18</a:t>
             </a:fld>
             <a:endParaRPr lang="en-US"/>
           </a:p>
@@ -1954,7 +1963,7 @@
           <a:p>
             <a:fld id="{5B45E6A8-1C6F-544D-B1B7-024BD282C46E}" type="datetimeFigureOut">
               <a:rPr lang="en-US" smtClean="0"/>
-              <a:t>3/13/18</a:t>
+              <a:t>5/9/18</a:t>
             </a:fld>
             <a:endParaRPr lang="en-US"/>
           </a:p>
@@ -2067,7 +2076,7 @@
           <a:p>
             <a:fld id="{5B45E6A8-1C6F-544D-B1B7-024BD282C46E}" type="datetimeFigureOut">
               <a:rPr lang="en-US" smtClean="0"/>
-              <a:t>3/13/18</a:t>
+              <a:t>5/9/18</a:t>
             </a:fld>
             <a:endParaRPr lang="en-US"/>
           </a:p>
@@ -2378,7 +2387,7 @@
           <a:p>
             <a:fld id="{5B45E6A8-1C6F-544D-B1B7-024BD282C46E}" type="datetimeFigureOut">
               <a:rPr lang="en-US" smtClean="0"/>
-              <a:t>3/13/18</a:t>
+              <a:t>5/9/18</a:t>
             </a:fld>
             <a:endParaRPr lang="en-US"/>
           </a:p>
@@ -2666,7 +2675,7 @@
           <a:p>
             <a:fld id="{5B45E6A8-1C6F-544D-B1B7-024BD282C46E}" type="datetimeFigureOut">
               <a:rPr lang="en-US" smtClean="0"/>
-              <a:t>3/13/18</a:t>
+              <a:t>5/9/18</a:t>
             </a:fld>
             <a:endParaRPr lang="en-US"/>
           </a:p>
@@ -2907,7 +2916,7 @@
           <a:p>
             <a:fld id="{5B45E6A8-1C6F-544D-B1B7-024BD282C46E}" type="datetimeFigureOut">
               <a:rPr lang="en-US" smtClean="0"/>
-              <a:t>3/13/18</a:t>
+              <a:t>5/9/18</a:t>
             </a:fld>
             <a:endParaRPr lang="en-US"/>
           </a:p>
@@ -3351,13 +3360,7 @@
               <a:rPr lang="en-US" b="1" dirty="0"/>
               <a:t>PaaS Ops with Alexa</a:t>
             </a:r>
-            <a:br>
-              <a:rPr lang="en-US" dirty="0"/>
-            </a:br>
-            <a:r>
-              <a:rPr lang="en-US" sz="4400" dirty="0"/>
-              <a:t>System Architecture and Interaction</a:t>
-            </a:r>
+            <a:endParaRPr lang="en-US" sz="4400" dirty="0"/>
           </a:p>
         </p:txBody>
       </p:sp>
@@ -3383,7 +3386,7 @@
           <a:lstStyle/>
           <a:p>
             <a:r>
-              <a:rPr lang="en-US" dirty="0"/>
+              <a:rPr lang="en-US" sz="3000" dirty="0"/>
               <a:t>Project Team# 18</a:t>
             </a:r>
           </a:p>
@@ -3395,7 +3398,7 @@
             <a:pPr algn="l"/>
             <a:r>
               <a:rPr lang="en-US" dirty="0"/>
-              <a:t>Date: 03/13/2018						Version: 1.0</a:t>
+              <a:t>						</a:t>
             </a:r>
           </a:p>
         </p:txBody>
@@ -3430,45 +3433,124 @@
           <a:chExt cx="0" cy="0"/>
         </a:xfrm>
       </p:grpSpPr>
-      <p:pic>
-        <p:nvPicPr>
-          <p:cNvPr id="5" name="Content Placeholder 4">
-            <a:extLst>
-              <a:ext uri="{FF2B5EF4-FFF2-40B4-BE49-F238E27FC236}">
-                <a16:creationId xmlns:a16="http://schemas.microsoft.com/office/drawing/2014/main" id="{3C545955-63B3-D641-A1FA-1B8C2202E246}"/>
-              </a:ext>
-            </a:extLst>
-          </p:cNvPr>
-          <p:cNvPicPr>
-            <a:picLocks noGrp="1" noChangeAspect="1"/>
-          </p:cNvPicPr>
-          <p:nvPr>
-            <p:ph idx="1"/>
-          </p:nvPr>
-        </p:nvPicPr>
-        <p:blipFill>
-          <a:blip r:embed="rId2">
-            <a:extLst>
-              <a:ext uri="{28A0092B-C50C-407E-A947-70E740481C1C}">
-                <a14:useLocalDpi xmlns:a14="http://schemas.microsoft.com/office/drawing/2010/main" val="0"/>
-              </a:ext>
-            </a:extLst>
-          </a:blip>
-          <a:stretch>
-            <a:fillRect/>
-          </a:stretch>
-        </p:blipFill>
+      <p:sp>
+        <p:nvSpPr>
+          <p:cNvPr id="4" name="TextBox 3">
+            <a:extLst>
+              <a:ext uri="{FF2B5EF4-FFF2-40B4-BE49-F238E27FC236}">
+                <a16:creationId xmlns:a16="http://schemas.microsoft.com/office/drawing/2014/main" id="{CF3C970E-A06F-3C41-8789-A92706FC3A18}"/>
+              </a:ext>
+            </a:extLst>
+          </p:cNvPr>
+          <p:cNvSpPr txBox="1"/>
+          <p:nvPr/>
+        </p:nvSpPr>
         <p:spPr>
           <a:xfrm>
-            <a:off x="1320157" y="388883"/>
-            <a:ext cx="9642133" cy="5168161"/>
+            <a:off x="323385" y="289932"/>
+            <a:ext cx="11463454" cy="646331"/>
           </a:xfrm>
+          <a:prstGeom prst="rect">
+            <a:avLst/>
+          </a:prstGeom>
+          <a:noFill/>
         </p:spPr>
-      </p:pic>
+        <p:txBody>
+          <a:bodyPr wrap="square" rtlCol="0">
+            <a:spAutoFit/>
+          </a:bodyPr>
+          <a:lstStyle/>
+          <a:p>
+            <a:r>
+              <a:rPr lang="en-US" sz="3600" b="1" dirty="0"/>
+              <a:t>Overview</a:t>
+            </a:r>
+          </a:p>
+        </p:txBody>
+      </p:sp>
+      <p:sp>
+        <p:nvSpPr>
+          <p:cNvPr id="5" name="TextBox 4">
+            <a:extLst>
+              <a:ext uri="{FF2B5EF4-FFF2-40B4-BE49-F238E27FC236}">
+                <a16:creationId xmlns:a16="http://schemas.microsoft.com/office/drawing/2014/main" id="{D0BFF762-1CAF-A549-9643-3B08E174B5A0}"/>
+              </a:ext>
+            </a:extLst>
+          </p:cNvPr>
+          <p:cNvSpPr txBox="1"/>
+          <p:nvPr/>
+        </p:nvSpPr>
+        <p:spPr>
+          <a:xfrm>
+            <a:off x="323385" y="1055804"/>
+            <a:ext cx="11463454" cy="4893647"/>
+          </a:xfrm>
+          <a:prstGeom prst="rect">
+            <a:avLst/>
+          </a:prstGeom>
+          <a:noFill/>
+        </p:spPr>
+        <p:txBody>
+          <a:bodyPr wrap="square" rtlCol="0">
+            <a:spAutoFit/>
+          </a:bodyPr>
+          <a:lstStyle/>
+          <a:p>
+            <a:pPr algn="just"/>
+            <a:r>
+              <a:rPr lang="en-US" sz="2600" dirty="0"/>
+              <a:t>Developed custom skills for Alexa which will enable us to manage DevOps in cloud with the help of Alexa.</a:t>
+            </a:r>
+          </a:p>
+          <a:p>
+            <a:pPr algn="just"/>
+            <a:endParaRPr lang="en-US" sz="2600" dirty="0"/>
+          </a:p>
+          <a:p>
+            <a:pPr algn="just"/>
+            <a:r>
+              <a:rPr lang="en-US" sz="2600" dirty="0"/>
+              <a:t>Alexa will execute the command, provided by the User and try to match it with the functional integrity of Lambda intents which will perform the operation by extracting the input provided by the user.</a:t>
+            </a:r>
+          </a:p>
+          <a:p>
+            <a:pPr algn="just"/>
+            <a:endParaRPr lang="en-US" sz="2600" dirty="0"/>
+          </a:p>
+          <a:p>
+            <a:pPr algn="just"/>
+            <a:r>
+              <a:rPr lang="en-US" sz="2600" dirty="0"/>
+              <a:t>Deploying instances Amazon with simple command </a:t>
+            </a:r>
+          </a:p>
+          <a:p>
+            <a:pPr marL="742950" lvl="1" indent="-285750" algn="just">
+              <a:buFont typeface="Arial" panose="020B0604020202020204" pitchFamily="34" charset="0"/>
+              <a:buChar char="•"/>
+            </a:pPr>
+            <a:r>
+              <a:rPr lang="en-US" sz="2600" dirty="0"/>
+              <a:t>create {number} instance with {image} image</a:t>
+            </a:r>
+          </a:p>
+          <a:p>
+            <a:pPr algn="just"/>
+            <a:endParaRPr lang="en-US" sz="2600" dirty="0"/>
+          </a:p>
+          <a:p>
+            <a:pPr algn="just"/>
+            <a:r>
+              <a:rPr lang="en-US" sz="2600" dirty="0"/>
+              <a:t>Resizing, removing and getting information about instances can be done with developed Alexa custom skills.</a:t>
+            </a:r>
+          </a:p>
+        </p:txBody>
+      </p:sp>
     </p:spTree>
     <p:extLst>
       <p:ext uri="{BB962C8B-B14F-4D97-AF65-F5344CB8AC3E}">
-        <p14:creationId xmlns:p14="http://schemas.microsoft.com/office/powerpoint/2010/main" val="480190638"/>
+        <p14:creationId xmlns:p14="http://schemas.microsoft.com/office/powerpoint/2010/main" val="3874756000"/>
       </p:ext>
     </p:extLst>
   </p:cSld>
@@ -3497,17 +3579,19 @@
       </p:grpSpPr>
       <p:pic>
         <p:nvPicPr>
-          <p:cNvPr id="11" name="Picture 10">
-            <a:extLst>
-              <a:ext uri="{FF2B5EF4-FFF2-40B4-BE49-F238E27FC236}">
-                <a16:creationId xmlns:a16="http://schemas.microsoft.com/office/drawing/2014/main" id="{C30F26F2-D3CC-1843-A031-DB28DBB8E601}"/>
+          <p:cNvPr id="5" name="Content Placeholder 4">
+            <a:extLst>
+              <a:ext uri="{FF2B5EF4-FFF2-40B4-BE49-F238E27FC236}">
+                <a16:creationId xmlns:a16="http://schemas.microsoft.com/office/drawing/2014/main" id="{3C545955-63B3-D641-A1FA-1B8C2202E246}"/>
               </a:ext>
             </a:extLst>
           </p:cNvPr>
           <p:cNvPicPr>
-            <a:picLocks noChangeAspect="1"/>
+            <a:picLocks noGrp="1" noChangeAspect="1"/>
           </p:cNvPicPr>
-          <p:nvPr/>
+          <p:nvPr>
+            <p:ph idx="1"/>
+          </p:nvPr>
         </p:nvPicPr>
         <p:blipFill>
           <a:blip r:embed="rId2">
@@ -3523,53 +3607,15 @@
         </p:blipFill>
         <p:spPr>
           <a:xfrm>
-            <a:off x="2108200" y="1263650"/>
-            <a:ext cx="7975600" cy="4330700"/>
+            <a:off x="1253250" y="935293"/>
+            <a:ext cx="9642133" cy="5168161"/>
           </a:xfrm>
-          <a:prstGeom prst="rect">
-            <a:avLst/>
-          </a:prstGeom>
         </p:spPr>
       </p:pic>
-      <p:sp>
-        <p:nvSpPr>
-          <p:cNvPr id="12" name="TextBox 11">
-            <a:extLst>
-              <a:ext uri="{FF2B5EF4-FFF2-40B4-BE49-F238E27FC236}">
-                <a16:creationId xmlns:a16="http://schemas.microsoft.com/office/drawing/2014/main" id="{E56487C2-A365-D841-B706-42EF9E25D3AA}"/>
-              </a:ext>
-            </a:extLst>
-          </p:cNvPr>
-          <p:cNvSpPr txBox="1"/>
-          <p:nvPr/>
-        </p:nvSpPr>
-        <p:spPr>
-          <a:xfrm>
-            <a:off x="4519448" y="378372"/>
-            <a:ext cx="3667671" cy="646331"/>
-          </a:xfrm>
-          <a:prstGeom prst="rect">
-            <a:avLst/>
-          </a:prstGeom>
-          <a:noFill/>
-        </p:spPr>
-        <p:txBody>
-          <a:bodyPr wrap="none" rtlCol="0">
-            <a:spAutoFit/>
-          </a:bodyPr>
-          <a:lstStyle/>
-          <a:p>
-            <a:r>
-              <a:rPr lang="en-US" sz="3600" dirty="0"/>
-              <a:t>System Interaction</a:t>
-            </a:r>
-          </a:p>
-        </p:txBody>
-      </p:sp>
     </p:spTree>
     <p:extLst>
       <p:ext uri="{BB962C8B-B14F-4D97-AF65-F5344CB8AC3E}">
-        <p14:creationId xmlns:p14="http://schemas.microsoft.com/office/powerpoint/2010/main" val="3221886621"/>
+        <p14:creationId xmlns:p14="http://schemas.microsoft.com/office/powerpoint/2010/main" val="480190638"/>
       </p:ext>
     </p:extLst>
   </p:cSld>
@@ -3598,6 +3644,107 @@
       </p:grpSpPr>
       <p:pic>
         <p:nvPicPr>
+          <p:cNvPr id="11" name="Picture 10">
+            <a:extLst>
+              <a:ext uri="{FF2B5EF4-FFF2-40B4-BE49-F238E27FC236}">
+                <a16:creationId xmlns:a16="http://schemas.microsoft.com/office/drawing/2014/main" id="{C30F26F2-D3CC-1843-A031-DB28DBB8E601}"/>
+              </a:ext>
+            </a:extLst>
+          </p:cNvPr>
+          <p:cNvPicPr>
+            <a:picLocks noChangeAspect="1"/>
+          </p:cNvPicPr>
+          <p:nvPr/>
+        </p:nvPicPr>
+        <p:blipFill>
+          <a:blip r:embed="rId2">
+            <a:extLst>
+              <a:ext uri="{28A0092B-C50C-407E-A947-70E740481C1C}">
+                <a14:useLocalDpi xmlns:a14="http://schemas.microsoft.com/office/drawing/2010/main" val="0"/>
+              </a:ext>
+            </a:extLst>
+          </a:blip>
+          <a:stretch>
+            <a:fillRect/>
+          </a:stretch>
+        </p:blipFill>
+        <p:spPr>
+          <a:xfrm>
+            <a:off x="2108200" y="1263650"/>
+            <a:ext cx="7975600" cy="4330700"/>
+          </a:xfrm>
+          <a:prstGeom prst="rect">
+            <a:avLst/>
+          </a:prstGeom>
+        </p:spPr>
+      </p:pic>
+      <p:sp>
+        <p:nvSpPr>
+          <p:cNvPr id="12" name="TextBox 11">
+            <a:extLst>
+              <a:ext uri="{FF2B5EF4-FFF2-40B4-BE49-F238E27FC236}">
+                <a16:creationId xmlns:a16="http://schemas.microsoft.com/office/drawing/2014/main" id="{E56487C2-A365-D841-B706-42EF9E25D3AA}"/>
+              </a:ext>
+            </a:extLst>
+          </p:cNvPr>
+          <p:cNvSpPr txBox="1"/>
+          <p:nvPr/>
+        </p:nvSpPr>
+        <p:spPr>
+          <a:xfrm>
+            <a:off x="352422" y="344918"/>
+            <a:ext cx="3757439" cy="646331"/>
+          </a:xfrm>
+          <a:prstGeom prst="rect">
+            <a:avLst/>
+          </a:prstGeom>
+          <a:noFill/>
+        </p:spPr>
+        <p:txBody>
+          <a:bodyPr wrap="none" rtlCol="0">
+            <a:spAutoFit/>
+          </a:bodyPr>
+          <a:lstStyle/>
+          <a:p>
+            <a:r>
+              <a:rPr lang="en-US" sz="3600" b="1" dirty="0"/>
+              <a:t>System Interaction</a:t>
+            </a:r>
+          </a:p>
+        </p:txBody>
+      </p:sp>
+    </p:spTree>
+    <p:extLst>
+      <p:ext uri="{BB962C8B-B14F-4D97-AF65-F5344CB8AC3E}">
+        <p14:creationId xmlns:p14="http://schemas.microsoft.com/office/powerpoint/2010/main" val="3221886621"/>
+      </p:ext>
+    </p:extLst>
+  </p:cSld>
+  <p:clrMapOvr>
+    <a:masterClrMapping/>
+  </p:clrMapOvr>
+</p:sld>
+</file>
+
+<file path=ppt/slides/slide5.xml><?xml version="1.0" encoding="utf-8"?>
+<p:sld xmlns:a="http://schemas.openxmlformats.org/drawingml/2006/main" xmlns:r="http://schemas.openxmlformats.org/officeDocument/2006/relationships" xmlns:p="http://schemas.openxmlformats.org/presentationml/2006/main">
+  <p:cSld>
+    <p:spTree>
+      <p:nvGrpSpPr>
+        <p:cNvPr id="1" name=""/>
+        <p:cNvGrpSpPr/>
+        <p:nvPr/>
+      </p:nvGrpSpPr>
+      <p:grpSpPr>
+        <a:xfrm>
+          <a:off x="0" y="0"/>
+          <a:ext cx="0" cy="0"/>
+          <a:chOff x="0" y="0"/>
+          <a:chExt cx="0" cy="0"/>
+        </a:xfrm>
+      </p:grpSpPr>
+      <p:pic>
+        <p:nvPicPr>
           <p:cNvPr id="5" name="Content Placeholder 4">
             <a:extLst>
               <a:ext uri="{FF2B5EF4-FFF2-40B4-BE49-F238E27FC236}">
@@ -3635,6 +3782,239 @@
     <p:extLst>
       <p:ext uri="{BB962C8B-B14F-4D97-AF65-F5344CB8AC3E}">
         <p14:creationId xmlns:p14="http://schemas.microsoft.com/office/powerpoint/2010/main" val="1463113893"/>
+      </p:ext>
+    </p:extLst>
+  </p:cSld>
+  <p:clrMapOvr>
+    <a:masterClrMapping/>
+  </p:clrMapOvr>
+</p:sld>
+</file>
+
+<file path=ppt/slides/slide6.xml><?xml version="1.0" encoding="utf-8"?>
+<p:sld xmlns:a="http://schemas.openxmlformats.org/drawingml/2006/main" xmlns:r="http://schemas.openxmlformats.org/officeDocument/2006/relationships" xmlns:p="http://schemas.openxmlformats.org/presentationml/2006/main">
+  <p:cSld>
+    <p:spTree>
+      <p:nvGrpSpPr>
+        <p:cNvPr id="1" name=""/>
+        <p:cNvGrpSpPr/>
+        <p:nvPr/>
+      </p:nvGrpSpPr>
+      <p:grpSpPr>
+        <a:xfrm>
+          <a:off x="0" y="0"/>
+          <a:ext cx="0" cy="0"/>
+          <a:chOff x="0" y="0"/>
+          <a:chExt cx="0" cy="0"/>
+        </a:xfrm>
+      </p:grpSpPr>
+      <p:sp>
+        <p:nvSpPr>
+          <p:cNvPr id="4" name="TextBox 3">
+            <a:extLst>
+              <a:ext uri="{FF2B5EF4-FFF2-40B4-BE49-F238E27FC236}">
+                <a16:creationId xmlns:a16="http://schemas.microsoft.com/office/drawing/2014/main" id="{79C7CAEF-FD81-A444-9358-A493988D52B1}"/>
+              </a:ext>
+            </a:extLst>
+          </p:cNvPr>
+          <p:cNvSpPr txBox="1"/>
+          <p:nvPr/>
+        </p:nvSpPr>
+        <p:spPr>
+          <a:xfrm>
+            <a:off x="0" y="579863"/>
+            <a:ext cx="12192000" cy="646331"/>
+          </a:xfrm>
+          <a:prstGeom prst="rect">
+            <a:avLst/>
+          </a:prstGeom>
+          <a:noFill/>
+        </p:spPr>
+        <p:txBody>
+          <a:bodyPr wrap="square" rtlCol="0">
+            <a:spAutoFit/>
+          </a:bodyPr>
+          <a:lstStyle/>
+          <a:p>
+            <a:pPr algn="ctr"/>
+            <a:r>
+              <a:rPr lang="en-US" sz="3600" b="1" dirty="0"/>
+              <a:t>DEMO</a:t>
+            </a:r>
+          </a:p>
+        </p:txBody>
+      </p:sp>
+      <p:sp>
+        <p:nvSpPr>
+          <p:cNvPr id="5" name="TextBox 4">
+            <a:extLst>
+              <a:ext uri="{FF2B5EF4-FFF2-40B4-BE49-F238E27FC236}">
+                <a16:creationId xmlns:a16="http://schemas.microsoft.com/office/drawing/2014/main" id="{8141E7B8-356B-DC4D-A2D2-588A80539049}"/>
+              </a:ext>
+            </a:extLst>
+          </p:cNvPr>
+          <p:cNvSpPr txBox="1"/>
+          <p:nvPr/>
+        </p:nvSpPr>
+        <p:spPr>
+          <a:xfrm>
+            <a:off x="1360449" y="2241395"/>
+            <a:ext cx="10192214" cy="1446550"/>
+          </a:xfrm>
+          <a:prstGeom prst="rect">
+            <a:avLst/>
+          </a:prstGeom>
+          <a:noFill/>
+        </p:spPr>
+        <p:txBody>
+          <a:bodyPr wrap="square" rtlCol="0">
+            <a:spAutoFit/>
+          </a:bodyPr>
+          <a:lstStyle/>
+          <a:p>
+            <a:r>
+              <a:rPr lang="en-US" sz="4400" dirty="0"/>
+              <a:t>If we are ready with the video, add here. Or We can just change the slide.</a:t>
+            </a:r>
+          </a:p>
+        </p:txBody>
+      </p:sp>
+    </p:spTree>
+    <p:extLst>
+      <p:ext uri="{BB962C8B-B14F-4D97-AF65-F5344CB8AC3E}">
+        <p14:creationId xmlns:p14="http://schemas.microsoft.com/office/powerpoint/2010/main" val="3451305392"/>
+      </p:ext>
+    </p:extLst>
+  </p:cSld>
+  <p:clrMapOvr>
+    <a:masterClrMapping/>
+  </p:clrMapOvr>
+</p:sld>
+</file>
+
+<file path=ppt/slides/slide7.xml><?xml version="1.0" encoding="utf-8"?>
+<p:sld xmlns:a="http://schemas.openxmlformats.org/drawingml/2006/main" xmlns:r="http://schemas.openxmlformats.org/officeDocument/2006/relationships" xmlns:p="http://schemas.openxmlformats.org/presentationml/2006/main">
+  <p:cSld>
+    <p:spTree>
+      <p:nvGrpSpPr>
+        <p:cNvPr id="1" name=""/>
+        <p:cNvGrpSpPr/>
+        <p:nvPr/>
+      </p:nvGrpSpPr>
+      <p:grpSpPr>
+        <a:xfrm>
+          <a:off x="0" y="0"/>
+          <a:ext cx="0" cy="0"/>
+          <a:chOff x="0" y="0"/>
+          <a:chExt cx="0" cy="0"/>
+        </a:xfrm>
+      </p:grpSpPr>
+      <p:sp>
+        <p:nvSpPr>
+          <p:cNvPr id="4" name="TextBox 3">
+            <a:extLst>
+              <a:ext uri="{FF2B5EF4-FFF2-40B4-BE49-F238E27FC236}">
+                <a16:creationId xmlns:a16="http://schemas.microsoft.com/office/drawing/2014/main" id="{4D9FDEBC-9E32-7A44-9A15-EEB5A35035D4}"/>
+              </a:ext>
+            </a:extLst>
+          </p:cNvPr>
+          <p:cNvSpPr txBox="1"/>
+          <p:nvPr/>
+        </p:nvSpPr>
+        <p:spPr>
+          <a:xfrm>
+            <a:off x="0" y="2877014"/>
+            <a:ext cx="12192000" cy="1015663"/>
+          </a:xfrm>
+          <a:prstGeom prst="rect">
+            <a:avLst/>
+          </a:prstGeom>
+          <a:noFill/>
+        </p:spPr>
+        <p:txBody>
+          <a:bodyPr wrap="square" rtlCol="0">
+            <a:spAutoFit/>
+          </a:bodyPr>
+          <a:lstStyle/>
+          <a:p>
+            <a:pPr algn="ctr"/>
+            <a:r>
+              <a:rPr lang="en-US" sz="6000" dirty="0"/>
+              <a:t>Questions?</a:t>
+            </a:r>
+          </a:p>
+        </p:txBody>
+      </p:sp>
+    </p:spTree>
+    <p:extLst>
+      <p:ext uri="{BB962C8B-B14F-4D97-AF65-F5344CB8AC3E}">
+        <p14:creationId xmlns:p14="http://schemas.microsoft.com/office/powerpoint/2010/main" val="3125346904"/>
+      </p:ext>
+    </p:extLst>
+  </p:cSld>
+  <p:clrMapOvr>
+    <a:masterClrMapping/>
+  </p:clrMapOvr>
+</p:sld>
+</file>
+
+<file path=ppt/slides/slide8.xml><?xml version="1.0" encoding="utf-8"?>
+<p:sld xmlns:a="http://schemas.openxmlformats.org/drawingml/2006/main" xmlns:r="http://schemas.openxmlformats.org/officeDocument/2006/relationships" xmlns:p="http://schemas.openxmlformats.org/presentationml/2006/main">
+  <p:cSld>
+    <p:spTree>
+      <p:nvGrpSpPr>
+        <p:cNvPr id="1" name=""/>
+        <p:cNvGrpSpPr/>
+        <p:nvPr/>
+      </p:nvGrpSpPr>
+      <p:grpSpPr>
+        <a:xfrm>
+          <a:off x="0" y="0"/>
+          <a:ext cx="0" cy="0"/>
+          <a:chOff x="0" y="0"/>
+          <a:chExt cx="0" cy="0"/>
+        </a:xfrm>
+      </p:grpSpPr>
+      <p:sp>
+        <p:nvSpPr>
+          <p:cNvPr id="4" name="TextBox 3">
+            <a:extLst>
+              <a:ext uri="{FF2B5EF4-FFF2-40B4-BE49-F238E27FC236}">
+                <a16:creationId xmlns:a16="http://schemas.microsoft.com/office/drawing/2014/main" id="{26EDB2FC-CC6D-054E-9B95-CE8FAF4B0E08}"/>
+              </a:ext>
+            </a:extLst>
+          </p:cNvPr>
+          <p:cNvSpPr txBox="1"/>
+          <p:nvPr/>
+        </p:nvSpPr>
+        <p:spPr>
+          <a:xfrm>
+            <a:off x="1" y="2765502"/>
+            <a:ext cx="12191999" cy="1200329"/>
+          </a:xfrm>
+          <a:prstGeom prst="rect">
+            <a:avLst/>
+          </a:prstGeom>
+          <a:noFill/>
+        </p:spPr>
+        <p:txBody>
+          <a:bodyPr wrap="square" rtlCol="0">
+            <a:spAutoFit/>
+          </a:bodyPr>
+          <a:lstStyle/>
+          <a:p>
+            <a:pPr algn="ctr"/>
+            <a:r>
+              <a:rPr lang="en-US" sz="7200" dirty="0"/>
+              <a:t>THANK YOU</a:t>
+            </a:r>
+          </a:p>
+        </p:txBody>
+      </p:sp>
+    </p:spTree>
+    <p:extLst>
+      <p:ext uri="{BB962C8B-B14F-4D97-AF65-F5344CB8AC3E}">
+        <p14:creationId xmlns:p14="http://schemas.microsoft.com/office/powerpoint/2010/main" val="2884751775"/>
       </p:ext>
     </p:extLst>
   </p:cSld>
